--- a/appreview.pptx
+++ b/appreview.pptx
@@ -5464,7 +5464,7 @@
           <a:p>
             <a:fld id="{1A9BCE0C-CD74-4A59-802C-6D2F8C15331A}" type="datetimeFigureOut">
               <a:rPr lang="en-US" smtClean="0"/>
-              <a:t>8/13/2020</a:t>
+              <a:t>8/14/2020</a:t>
             </a:fld>
             <a:endParaRPr lang="en-US"/>
           </a:p>
@@ -5629,7 +5629,7 @@
           <a:p>
             <a:fld id="{F04FDEA8-CBB8-46CC-9562-028963DBC55A}" type="datetimeFigureOut">
               <a:rPr lang="en-US" smtClean="0"/>
-              <a:t>8/13/2020</a:t>
+              <a:t>8/14/2020</a:t>
             </a:fld>
             <a:endParaRPr lang="en-US"/>
           </a:p>
@@ -7536,7 +7536,7 @@
           <a:p>
             <a:fld id="{37CC0096-1860-4642-9CD2-0079EA5E7CD1}" type="datetimeFigureOut">
               <a:rPr lang="en-US" smtClean="0"/>
-              <a:t>8/13/2020</a:t>
+              <a:t>8/14/2020</a:t>
             </a:fld>
             <a:endParaRPr lang="en-US"/>
           </a:p>
@@ -7737,7 +7737,7 @@
           <a:p>
             <a:fld id="{37CC0096-1860-4642-9CD2-0079EA5E7CD1}" type="datetimeFigureOut">
               <a:rPr lang="en-US" smtClean="0"/>
-              <a:t>8/13/2020</a:t>
+              <a:t>8/14/2020</a:t>
             </a:fld>
             <a:endParaRPr lang="en-US"/>
           </a:p>
@@ -8332,7 +8332,7 @@
           <a:p>
             <a:fld id="{37CC0096-1860-4642-9CD2-0079EA5E7CD1}" type="datetimeFigureOut">
               <a:rPr lang="en-US" smtClean="0"/>
-              <a:t>8/13/2020</a:t>
+              <a:t>8/14/2020</a:t>
             </a:fld>
             <a:endParaRPr lang="en-US"/>
           </a:p>
@@ -8846,7 +8846,7 @@
           <a:p>
             <a:fld id="{37CC0096-1860-4642-9CD2-0079EA5E7CD1}" type="datetimeFigureOut">
               <a:rPr lang="en-US" smtClean="0"/>
-              <a:t>8/13/2020</a:t>
+              <a:t>8/14/2020</a:t>
             </a:fld>
             <a:endParaRPr lang="en-US"/>
           </a:p>
@@ -9296,7 +9296,7 @@
           <a:p>
             <a:fld id="{37CC0096-1860-4642-9CD2-0079EA5E7CD1}" type="datetimeFigureOut">
               <a:rPr lang="en-US" smtClean="0"/>
-              <a:t>8/13/2020</a:t>
+              <a:t>8/14/2020</a:t>
             </a:fld>
             <a:endParaRPr lang="en-US"/>
           </a:p>
@@ -9428,7 +9428,7 @@
           <a:p>
             <a:fld id="{37CC0096-1860-4642-9CD2-0079EA5E7CD1}" type="datetimeFigureOut">
               <a:rPr lang="en-US" smtClean="0"/>
-              <a:t>8/13/2020</a:t>
+              <a:t>8/14/2020</a:t>
             </a:fld>
             <a:endParaRPr lang="en-US"/>
           </a:p>
@@ -9769,7 +9769,7 @@
           <a:p>
             <a:fld id="{37CC0096-1860-4642-9CD2-0079EA5E7CD1}" type="datetimeFigureOut">
               <a:rPr lang="en-US" smtClean="0"/>
-              <a:t>8/13/2020</a:t>
+              <a:t>8/14/2020</a:t>
             </a:fld>
             <a:endParaRPr lang="en-US"/>
           </a:p>
@@ -10061,7 +10061,7 @@
             <a:fld id="{37CC0096-1860-4642-9CD2-0079EA5E7CD1}" type="datetimeFigureOut">
               <a:rPr lang="en-US" smtClean="0"/>
               <a:pPr/>
-              <a:t>8/13/2020</a:t>
+              <a:t>8/14/2020</a:t>
             </a:fld>
             <a:endParaRPr lang="en-US"/>
           </a:p>
@@ -18466,36 +18466,6 @@
           </a:graphicData>
         </a:graphic>
       </p:graphicFrame>
-      <p:pic>
-        <p:nvPicPr>
-          <p:cNvPr id="13" name="Picture 12">
-            <a:extLst>
-              <a:ext uri="{FF2B5EF4-FFF2-40B4-BE49-F238E27FC236}">
-                <a16:creationId xmlns:a16="http://schemas.microsoft.com/office/drawing/2014/main" id="{3676DA67-8123-401D-806D-9CD66AF0E912}"/>
-              </a:ext>
-            </a:extLst>
-          </p:cNvPr>
-          <p:cNvPicPr>
-            <a:picLocks noChangeAspect="1"/>
-          </p:cNvPicPr>
-          <p:nvPr/>
-        </p:nvPicPr>
-        <p:blipFill>
-          <a:blip r:embed="rId3"/>
-          <a:stretch>
-            <a:fillRect/>
-          </a:stretch>
-        </p:blipFill>
-        <p:spPr>
-          <a:xfrm>
-            <a:off x="6096000" y="2347175"/>
-            <a:ext cx="5984869" cy="3929935"/>
-          </a:xfrm>
-          <a:prstGeom prst="rect">
-            <a:avLst/>
-          </a:prstGeom>
-        </p:spPr>
-      </p:pic>
       <p:sp>
         <p:nvSpPr>
           <p:cNvPr id="14" name="TextBox 13">
@@ -18566,422 +18536,473 @@
           </a:p>
         </p:txBody>
       </p:sp>
-      <p:sp>
-        <p:nvSpPr>
-          <p:cNvPr id="22" name="Oval 21">
+      <p:grpSp>
+        <p:nvGrpSpPr>
+          <p:cNvPr id="3" name="Group 2">
             <a:extLst>
               <a:ext uri="{FF2B5EF4-FFF2-40B4-BE49-F238E27FC236}">
-                <a16:creationId xmlns:a16="http://schemas.microsoft.com/office/drawing/2014/main" id="{580892EE-76E3-4F80-B6C2-42D9A9C24428}"/>
+                <a16:creationId xmlns:a16="http://schemas.microsoft.com/office/drawing/2014/main" id="{A36BBBF5-C8FE-4522-B99A-2BAB7D6DD98A}"/>
               </a:ext>
             </a:extLst>
           </p:cNvPr>
-          <p:cNvSpPr/>
+          <p:cNvGrpSpPr/>
           <p:nvPr/>
-        </p:nvSpPr>
-        <p:spPr>
+        </p:nvGrpSpPr>
+        <p:grpSpPr>
           <a:xfrm>
-            <a:off x="6871465" y="5226154"/>
-            <a:ext cx="347334" cy="194514"/>
+            <a:off x="6096000" y="2347175"/>
+            <a:ext cx="5984869" cy="3929935"/>
+            <a:chOff x="6096000" y="2347175"/>
+            <a:chExt cx="5984869" cy="3929935"/>
           </a:xfrm>
-          <a:prstGeom prst="ellipse">
-            <a:avLst/>
-          </a:prstGeom>
-          <a:noFill/>
-          <a:ln>
-            <a:solidFill>
+        </p:grpSpPr>
+        <p:pic>
+          <p:nvPicPr>
+            <p:cNvPr id="13" name="Picture 12">
+              <a:extLst>
+                <a:ext uri="{FF2B5EF4-FFF2-40B4-BE49-F238E27FC236}">
+                  <a16:creationId xmlns:a16="http://schemas.microsoft.com/office/drawing/2014/main" id="{3676DA67-8123-401D-806D-9CD66AF0E912}"/>
+                </a:ext>
+              </a:extLst>
+            </p:cNvPr>
+            <p:cNvPicPr>
+              <a:picLocks noChangeAspect="1"/>
+            </p:cNvPicPr>
+            <p:nvPr/>
+          </p:nvPicPr>
+          <p:blipFill>
+            <a:blip r:embed="rId3"/>
+            <a:stretch>
+              <a:fillRect/>
+            </a:stretch>
+          </p:blipFill>
+          <p:spPr>
+            <a:xfrm>
+              <a:off x="6096000" y="2347175"/>
+              <a:ext cx="5984869" cy="3929935"/>
+            </a:xfrm>
+            <a:prstGeom prst="rect">
+              <a:avLst/>
+            </a:prstGeom>
+          </p:spPr>
+        </p:pic>
+        <p:sp>
+          <p:nvSpPr>
+            <p:cNvPr id="22" name="Oval 21">
+              <a:extLst>
+                <a:ext uri="{FF2B5EF4-FFF2-40B4-BE49-F238E27FC236}">
+                  <a16:creationId xmlns:a16="http://schemas.microsoft.com/office/drawing/2014/main" id="{580892EE-76E3-4F80-B6C2-42D9A9C24428}"/>
+                </a:ext>
+              </a:extLst>
+            </p:cNvPr>
+            <p:cNvSpPr/>
+            <p:nvPr/>
+          </p:nvSpPr>
+          <p:spPr>
+            <a:xfrm>
+              <a:off x="6871465" y="5226154"/>
+              <a:ext cx="347334" cy="194514"/>
+            </a:xfrm>
+            <a:prstGeom prst="ellipse">
+              <a:avLst/>
+            </a:prstGeom>
+            <a:noFill/>
+            <a:ln>
+              <a:solidFill>
+                <a:schemeClr val="accent1"/>
+              </a:solidFill>
+            </a:ln>
+          </p:spPr>
+          <p:style>
+            <a:lnRef idx="2">
+              <a:schemeClr val="accent1">
+                <a:shade val="50000"/>
+              </a:schemeClr>
+            </a:lnRef>
+            <a:fillRef idx="1">
               <a:schemeClr val="accent1"/>
-            </a:solidFill>
-          </a:ln>
-        </p:spPr>
-        <p:style>
-          <a:lnRef idx="2">
-            <a:schemeClr val="accent1">
-              <a:shade val="50000"/>
-            </a:schemeClr>
-          </a:lnRef>
-          <a:fillRef idx="1">
-            <a:schemeClr val="accent1"/>
-          </a:fillRef>
-          <a:effectRef idx="0">
-            <a:schemeClr val="accent1"/>
-          </a:effectRef>
-          <a:fontRef idx="minor">
-            <a:schemeClr val="lt1"/>
-          </a:fontRef>
-        </p:style>
-        <p:txBody>
-          <a:bodyPr rtlCol="0" anchor="ctr"/>
-          <a:lstStyle/>
-          <a:p>
-            <a:pPr algn="ctr"/>
-            <a:endParaRPr lang="en-US"/>
-          </a:p>
-        </p:txBody>
-      </p:sp>
-      <p:sp>
-        <p:nvSpPr>
-          <p:cNvPr id="10" name="Oval 9">
-            <a:extLst>
-              <a:ext uri="{FF2B5EF4-FFF2-40B4-BE49-F238E27FC236}">
-                <a16:creationId xmlns:a16="http://schemas.microsoft.com/office/drawing/2014/main" id="{43645EFA-5744-4C86-B61A-A6126643EC7A}"/>
-              </a:ext>
-            </a:extLst>
-          </p:cNvPr>
-          <p:cNvSpPr/>
-          <p:nvPr/>
-        </p:nvSpPr>
-        <p:spPr>
-          <a:xfrm>
-            <a:off x="6619875" y="3288315"/>
-            <a:ext cx="598924" cy="194514"/>
-          </a:xfrm>
-          <a:prstGeom prst="ellipse">
-            <a:avLst/>
-          </a:prstGeom>
-          <a:noFill/>
-          <a:ln>
-            <a:solidFill>
+            </a:fillRef>
+            <a:effectRef idx="0">
               <a:schemeClr val="accent1"/>
-            </a:solidFill>
-          </a:ln>
-        </p:spPr>
-        <p:style>
-          <a:lnRef idx="2">
-            <a:schemeClr val="accent1">
-              <a:shade val="50000"/>
-            </a:schemeClr>
-          </a:lnRef>
-          <a:fillRef idx="1">
-            <a:schemeClr val="accent1"/>
-          </a:fillRef>
-          <a:effectRef idx="0">
-            <a:schemeClr val="accent1"/>
-          </a:effectRef>
-          <a:fontRef idx="minor">
-            <a:schemeClr val="lt1"/>
-          </a:fontRef>
-        </p:style>
-        <p:txBody>
-          <a:bodyPr rtlCol="0" anchor="ctr"/>
-          <a:lstStyle/>
-          <a:p>
-            <a:pPr algn="ctr"/>
-            <a:endParaRPr lang="en-US"/>
-          </a:p>
-        </p:txBody>
-      </p:sp>
-      <p:sp>
-        <p:nvSpPr>
-          <p:cNvPr id="15" name="Oval 14">
-            <a:extLst>
-              <a:ext uri="{FF2B5EF4-FFF2-40B4-BE49-F238E27FC236}">
-                <a16:creationId xmlns:a16="http://schemas.microsoft.com/office/drawing/2014/main" id="{47EE43CA-E829-4BED-9739-3DF87E19FAC4}"/>
-              </a:ext>
-            </a:extLst>
-          </p:cNvPr>
-          <p:cNvSpPr/>
-          <p:nvPr/>
-        </p:nvSpPr>
-        <p:spPr>
-          <a:xfrm>
-            <a:off x="6619875" y="3429000"/>
-            <a:ext cx="598924" cy="194514"/>
-          </a:xfrm>
-          <a:prstGeom prst="ellipse">
-            <a:avLst/>
-          </a:prstGeom>
-          <a:noFill/>
-          <a:ln>
-            <a:solidFill>
+            </a:effectRef>
+            <a:fontRef idx="minor">
+              <a:schemeClr val="lt1"/>
+            </a:fontRef>
+          </p:style>
+          <p:txBody>
+            <a:bodyPr rtlCol="0" anchor="ctr"/>
+            <a:lstStyle/>
+            <a:p>
+              <a:pPr algn="ctr"/>
+              <a:endParaRPr lang="en-US"/>
+            </a:p>
+          </p:txBody>
+        </p:sp>
+        <p:sp>
+          <p:nvSpPr>
+            <p:cNvPr id="10" name="Oval 9">
+              <a:extLst>
+                <a:ext uri="{FF2B5EF4-FFF2-40B4-BE49-F238E27FC236}">
+                  <a16:creationId xmlns:a16="http://schemas.microsoft.com/office/drawing/2014/main" id="{43645EFA-5744-4C86-B61A-A6126643EC7A}"/>
+                </a:ext>
+              </a:extLst>
+            </p:cNvPr>
+            <p:cNvSpPr/>
+            <p:nvPr/>
+          </p:nvSpPr>
+          <p:spPr>
+            <a:xfrm>
+              <a:off x="6619875" y="3288315"/>
+              <a:ext cx="598924" cy="194514"/>
+            </a:xfrm>
+            <a:prstGeom prst="ellipse">
+              <a:avLst/>
+            </a:prstGeom>
+            <a:noFill/>
+            <a:ln>
+              <a:solidFill>
+                <a:schemeClr val="accent1"/>
+              </a:solidFill>
+            </a:ln>
+          </p:spPr>
+          <p:style>
+            <a:lnRef idx="2">
+              <a:schemeClr val="accent1">
+                <a:shade val="50000"/>
+              </a:schemeClr>
+            </a:lnRef>
+            <a:fillRef idx="1">
               <a:schemeClr val="accent1"/>
-            </a:solidFill>
-          </a:ln>
-        </p:spPr>
-        <p:style>
-          <a:lnRef idx="2">
-            <a:schemeClr val="accent1">
-              <a:shade val="50000"/>
-            </a:schemeClr>
-          </a:lnRef>
-          <a:fillRef idx="1">
-            <a:schemeClr val="accent1"/>
-          </a:fillRef>
-          <a:effectRef idx="0">
-            <a:schemeClr val="accent1"/>
-          </a:effectRef>
-          <a:fontRef idx="minor">
-            <a:schemeClr val="lt1"/>
-          </a:fontRef>
-        </p:style>
-        <p:txBody>
-          <a:bodyPr rtlCol="0" anchor="ctr"/>
-          <a:lstStyle/>
-          <a:p>
-            <a:pPr algn="ctr"/>
-            <a:endParaRPr lang="en-US"/>
-          </a:p>
-        </p:txBody>
-      </p:sp>
-      <p:sp>
-        <p:nvSpPr>
-          <p:cNvPr id="16" name="Oval 15">
-            <a:extLst>
-              <a:ext uri="{FF2B5EF4-FFF2-40B4-BE49-F238E27FC236}">
-                <a16:creationId xmlns:a16="http://schemas.microsoft.com/office/drawing/2014/main" id="{5E962DAC-FFC0-46E9-92AF-9FF13720BC1C}"/>
-              </a:ext>
-            </a:extLst>
-          </p:cNvPr>
-          <p:cNvSpPr/>
-          <p:nvPr/>
-        </p:nvSpPr>
-        <p:spPr>
-          <a:xfrm>
-            <a:off x="6664991" y="3759020"/>
-            <a:ext cx="598924" cy="194514"/>
-          </a:xfrm>
-          <a:prstGeom prst="ellipse">
-            <a:avLst/>
-          </a:prstGeom>
-          <a:noFill/>
-          <a:ln>
-            <a:solidFill>
+            </a:fillRef>
+            <a:effectRef idx="0">
               <a:schemeClr val="accent1"/>
-            </a:solidFill>
-          </a:ln>
-        </p:spPr>
-        <p:style>
-          <a:lnRef idx="2">
-            <a:schemeClr val="accent1">
-              <a:shade val="50000"/>
-            </a:schemeClr>
-          </a:lnRef>
-          <a:fillRef idx="1">
-            <a:schemeClr val="accent1"/>
-          </a:fillRef>
-          <a:effectRef idx="0">
-            <a:schemeClr val="accent1"/>
-          </a:effectRef>
-          <a:fontRef idx="minor">
-            <a:schemeClr val="lt1"/>
-          </a:fontRef>
-        </p:style>
-        <p:txBody>
-          <a:bodyPr rtlCol="0" anchor="ctr"/>
-          <a:lstStyle/>
-          <a:p>
-            <a:pPr algn="ctr"/>
-            <a:endParaRPr lang="en-US"/>
-          </a:p>
-        </p:txBody>
-      </p:sp>
-      <p:sp>
-        <p:nvSpPr>
-          <p:cNvPr id="17" name="Oval 16">
-            <a:extLst>
-              <a:ext uri="{FF2B5EF4-FFF2-40B4-BE49-F238E27FC236}">
-                <a16:creationId xmlns:a16="http://schemas.microsoft.com/office/drawing/2014/main" id="{61B50708-345A-46B0-8CC5-DCF12246E95A}"/>
-              </a:ext>
-            </a:extLst>
-          </p:cNvPr>
-          <p:cNvSpPr/>
-          <p:nvPr/>
-        </p:nvSpPr>
-        <p:spPr>
-          <a:xfrm>
-            <a:off x="6635265" y="4050645"/>
-            <a:ext cx="598924" cy="194514"/>
-          </a:xfrm>
-          <a:prstGeom prst="ellipse">
-            <a:avLst/>
-          </a:prstGeom>
-          <a:noFill/>
-          <a:ln>
-            <a:solidFill>
+            </a:effectRef>
+            <a:fontRef idx="minor">
+              <a:schemeClr val="lt1"/>
+            </a:fontRef>
+          </p:style>
+          <p:txBody>
+            <a:bodyPr rtlCol="0" anchor="ctr"/>
+            <a:lstStyle/>
+            <a:p>
+              <a:pPr algn="ctr"/>
+              <a:endParaRPr lang="en-US"/>
+            </a:p>
+          </p:txBody>
+        </p:sp>
+        <p:sp>
+          <p:nvSpPr>
+            <p:cNvPr id="15" name="Oval 14">
+              <a:extLst>
+                <a:ext uri="{FF2B5EF4-FFF2-40B4-BE49-F238E27FC236}">
+                  <a16:creationId xmlns:a16="http://schemas.microsoft.com/office/drawing/2014/main" id="{47EE43CA-E829-4BED-9739-3DF87E19FAC4}"/>
+                </a:ext>
+              </a:extLst>
+            </p:cNvPr>
+            <p:cNvSpPr/>
+            <p:nvPr/>
+          </p:nvSpPr>
+          <p:spPr>
+            <a:xfrm>
+              <a:off x="6619875" y="3429000"/>
+              <a:ext cx="598924" cy="194514"/>
+            </a:xfrm>
+            <a:prstGeom prst="ellipse">
+              <a:avLst/>
+            </a:prstGeom>
+            <a:noFill/>
+            <a:ln>
+              <a:solidFill>
+                <a:schemeClr val="accent1"/>
+              </a:solidFill>
+            </a:ln>
+          </p:spPr>
+          <p:style>
+            <a:lnRef idx="2">
+              <a:schemeClr val="accent1">
+                <a:shade val="50000"/>
+              </a:schemeClr>
+            </a:lnRef>
+            <a:fillRef idx="1">
               <a:schemeClr val="accent1"/>
-            </a:solidFill>
-          </a:ln>
-        </p:spPr>
-        <p:style>
-          <a:lnRef idx="2">
-            <a:schemeClr val="accent1">
-              <a:shade val="50000"/>
-            </a:schemeClr>
-          </a:lnRef>
-          <a:fillRef idx="1">
-            <a:schemeClr val="accent1"/>
-          </a:fillRef>
-          <a:effectRef idx="0">
-            <a:schemeClr val="accent1"/>
-          </a:effectRef>
-          <a:fontRef idx="minor">
-            <a:schemeClr val="lt1"/>
-          </a:fontRef>
-        </p:style>
-        <p:txBody>
-          <a:bodyPr rtlCol="0" anchor="ctr"/>
-          <a:lstStyle/>
-          <a:p>
-            <a:pPr algn="ctr"/>
-            <a:endParaRPr lang="en-US"/>
-          </a:p>
-        </p:txBody>
-      </p:sp>
-      <p:sp>
-        <p:nvSpPr>
-          <p:cNvPr id="18" name="Oval 17">
-            <a:extLst>
-              <a:ext uri="{FF2B5EF4-FFF2-40B4-BE49-F238E27FC236}">
-                <a16:creationId xmlns:a16="http://schemas.microsoft.com/office/drawing/2014/main" id="{8580F710-7B00-4E2D-A05B-EAC06DA9252F}"/>
-              </a:ext>
-            </a:extLst>
-          </p:cNvPr>
-          <p:cNvSpPr/>
-          <p:nvPr/>
-        </p:nvSpPr>
-        <p:spPr>
-          <a:xfrm>
-            <a:off x="6482715" y="4346883"/>
-            <a:ext cx="814178" cy="194514"/>
-          </a:xfrm>
-          <a:prstGeom prst="ellipse">
-            <a:avLst/>
-          </a:prstGeom>
-          <a:noFill/>
-          <a:ln>
-            <a:solidFill>
+            </a:fillRef>
+            <a:effectRef idx="0">
               <a:schemeClr val="accent1"/>
-            </a:solidFill>
-          </a:ln>
-        </p:spPr>
-        <p:style>
-          <a:lnRef idx="2">
-            <a:schemeClr val="accent1">
-              <a:shade val="50000"/>
-            </a:schemeClr>
-          </a:lnRef>
-          <a:fillRef idx="1">
-            <a:schemeClr val="accent1"/>
-          </a:fillRef>
-          <a:effectRef idx="0">
-            <a:schemeClr val="accent1"/>
-          </a:effectRef>
-          <a:fontRef idx="minor">
-            <a:schemeClr val="lt1"/>
-          </a:fontRef>
-        </p:style>
-        <p:txBody>
-          <a:bodyPr rtlCol="0" anchor="ctr"/>
-          <a:lstStyle/>
-          <a:p>
-            <a:pPr algn="ctr"/>
-            <a:endParaRPr lang="en-US"/>
-          </a:p>
-        </p:txBody>
-      </p:sp>
-      <p:sp>
-        <p:nvSpPr>
-          <p:cNvPr id="19" name="Oval 18">
-            <a:extLst>
-              <a:ext uri="{FF2B5EF4-FFF2-40B4-BE49-F238E27FC236}">
-                <a16:creationId xmlns:a16="http://schemas.microsoft.com/office/drawing/2014/main" id="{1FA7FDE2-86F6-4242-921B-7039DA4657F2}"/>
-              </a:ext>
-            </a:extLst>
-          </p:cNvPr>
-          <p:cNvSpPr/>
-          <p:nvPr/>
-        </p:nvSpPr>
-        <p:spPr>
-          <a:xfrm>
-            <a:off x="6512248" y="4775104"/>
-            <a:ext cx="814178" cy="194514"/>
-          </a:xfrm>
-          <a:prstGeom prst="ellipse">
-            <a:avLst/>
-          </a:prstGeom>
-          <a:noFill/>
-          <a:ln>
-            <a:solidFill>
+            </a:effectRef>
+            <a:fontRef idx="minor">
+              <a:schemeClr val="lt1"/>
+            </a:fontRef>
+          </p:style>
+          <p:txBody>
+            <a:bodyPr rtlCol="0" anchor="ctr"/>
+            <a:lstStyle/>
+            <a:p>
+              <a:pPr algn="ctr"/>
+              <a:endParaRPr lang="en-US"/>
+            </a:p>
+          </p:txBody>
+        </p:sp>
+        <p:sp>
+          <p:nvSpPr>
+            <p:cNvPr id="16" name="Oval 15">
+              <a:extLst>
+                <a:ext uri="{FF2B5EF4-FFF2-40B4-BE49-F238E27FC236}">
+                  <a16:creationId xmlns:a16="http://schemas.microsoft.com/office/drawing/2014/main" id="{5E962DAC-FFC0-46E9-92AF-9FF13720BC1C}"/>
+                </a:ext>
+              </a:extLst>
+            </p:cNvPr>
+            <p:cNvSpPr/>
+            <p:nvPr/>
+          </p:nvSpPr>
+          <p:spPr>
+            <a:xfrm>
+              <a:off x="6664991" y="3759020"/>
+              <a:ext cx="598924" cy="194514"/>
+            </a:xfrm>
+            <a:prstGeom prst="ellipse">
+              <a:avLst/>
+            </a:prstGeom>
+            <a:noFill/>
+            <a:ln>
+              <a:solidFill>
+                <a:schemeClr val="accent1"/>
+              </a:solidFill>
+            </a:ln>
+          </p:spPr>
+          <p:style>
+            <a:lnRef idx="2">
+              <a:schemeClr val="accent1">
+                <a:shade val="50000"/>
+              </a:schemeClr>
+            </a:lnRef>
+            <a:fillRef idx="1">
               <a:schemeClr val="accent1"/>
-            </a:solidFill>
-          </a:ln>
-        </p:spPr>
-        <p:style>
-          <a:lnRef idx="2">
-            <a:schemeClr val="accent1">
-              <a:shade val="50000"/>
-            </a:schemeClr>
-          </a:lnRef>
-          <a:fillRef idx="1">
-            <a:schemeClr val="accent1"/>
-          </a:fillRef>
-          <a:effectRef idx="0">
-            <a:schemeClr val="accent1"/>
-          </a:effectRef>
-          <a:fontRef idx="minor">
-            <a:schemeClr val="lt1"/>
-          </a:fontRef>
-        </p:style>
-        <p:txBody>
-          <a:bodyPr rtlCol="0" anchor="ctr"/>
-          <a:lstStyle/>
-          <a:p>
-            <a:pPr algn="ctr"/>
-            <a:endParaRPr lang="en-US"/>
-          </a:p>
-        </p:txBody>
-      </p:sp>
-      <p:sp>
-        <p:nvSpPr>
-          <p:cNvPr id="20" name="Oval 19">
-            <a:extLst>
-              <a:ext uri="{FF2B5EF4-FFF2-40B4-BE49-F238E27FC236}">
-                <a16:creationId xmlns:a16="http://schemas.microsoft.com/office/drawing/2014/main" id="{FE6E6C14-8204-42B5-8E5F-2488C40FADF5}"/>
-              </a:ext>
-            </a:extLst>
-          </p:cNvPr>
-          <p:cNvSpPr/>
-          <p:nvPr/>
-        </p:nvSpPr>
-        <p:spPr>
-          <a:xfrm>
-            <a:off x="6422336" y="2994384"/>
-            <a:ext cx="814178" cy="194514"/>
-          </a:xfrm>
-          <a:prstGeom prst="ellipse">
-            <a:avLst/>
-          </a:prstGeom>
-          <a:noFill/>
-          <a:ln>
-            <a:solidFill>
+            </a:fillRef>
+            <a:effectRef idx="0">
               <a:schemeClr val="accent1"/>
-            </a:solidFill>
-          </a:ln>
-        </p:spPr>
-        <p:style>
-          <a:lnRef idx="2">
-            <a:schemeClr val="accent1">
-              <a:shade val="50000"/>
-            </a:schemeClr>
-          </a:lnRef>
-          <a:fillRef idx="1">
-            <a:schemeClr val="accent1"/>
-          </a:fillRef>
-          <a:effectRef idx="0">
-            <a:schemeClr val="accent1"/>
-          </a:effectRef>
-          <a:fontRef idx="minor">
-            <a:schemeClr val="lt1"/>
-          </a:fontRef>
-        </p:style>
-        <p:txBody>
-          <a:bodyPr rtlCol="0" anchor="ctr"/>
-          <a:lstStyle/>
-          <a:p>
-            <a:pPr algn="ctr"/>
-            <a:endParaRPr lang="en-US"/>
-          </a:p>
-        </p:txBody>
-      </p:sp>
+            </a:effectRef>
+            <a:fontRef idx="minor">
+              <a:schemeClr val="lt1"/>
+            </a:fontRef>
+          </p:style>
+          <p:txBody>
+            <a:bodyPr rtlCol="0" anchor="ctr"/>
+            <a:lstStyle/>
+            <a:p>
+              <a:pPr algn="ctr"/>
+              <a:endParaRPr lang="en-US"/>
+            </a:p>
+          </p:txBody>
+        </p:sp>
+        <p:sp>
+          <p:nvSpPr>
+            <p:cNvPr id="17" name="Oval 16">
+              <a:extLst>
+                <a:ext uri="{FF2B5EF4-FFF2-40B4-BE49-F238E27FC236}">
+                  <a16:creationId xmlns:a16="http://schemas.microsoft.com/office/drawing/2014/main" id="{61B50708-345A-46B0-8CC5-DCF12246E95A}"/>
+                </a:ext>
+              </a:extLst>
+            </p:cNvPr>
+            <p:cNvSpPr/>
+            <p:nvPr/>
+          </p:nvSpPr>
+          <p:spPr>
+            <a:xfrm>
+              <a:off x="6635265" y="4050645"/>
+              <a:ext cx="598924" cy="194514"/>
+            </a:xfrm>
+            <a:prstGeom prst="ellipse">
+              <a:avLst/>
+            </a:prstGeom>
+            <a:noFill/>
+            <a:ln>
+              <a:solidFill>
+                <a:schemeClr val="accent1"/>
+              </a:solidFill>
+            </a:ln>
+          </p:spPr>
+          <p:style>
+            <a:lnRef idx="2">
+              <a:schemeClr val="accent1">
+                <a:shade val="50000"/>
+              </a:schemeClr>
+            </a:lnRef>
+            <a:fillRef idx="1">
+              <a:schemeClr val="accent1"/>
+            </a:fillRef>
+            <a:effectRef idx="0">
+              <a:schemeClr val="accent1"/>
+            </a:effectRef>
+            <a:fontRef idx="minor">
+              <a:schemeClr val="lt1"/>
+            </a:fontRef>
+          </p:style>
+          <p:txBody>
+            <a:bodyPr rtlCol="0" anchor="ctr"/>
+            <a:lstStyle/>
+            <a:p>
+              <a:pPr algn="ctr"/>
+              <a:endParaRPr lang="en-US"/>
+            </a:p>
+          </p:txBody>
+        </p:sp>
+        <p:sp>
+          <p:nvSpPr>
+            <p:cNvPr id="18" name="Oval 17">
+              <a:extLst>
+                <a:ext uri="{FF2B5EF4-FFF2-40B4-BE49-F238E27FC236}">
+                  <a16:creationId xmlns:a16="http://schemas.microsoft.com/office/drawing/2014/main" id="{8580F710-7B00-4E2D-A05B-EAC06DA9252F}"/>
+                </a:ext>
+              </a:extLst>
+            </p:cNvPr>
+            <p:cNvSpPr/>
+            <p:nvPr/>
+          </p:nvSpPr>
+          <p:spPr>
+            <a:xfrm>
+              <a:off x="6482715" y="4346883"/>
+              <a:ext cx="814178" cy="194514"/>
+            </a:xfrm>
+            <a:prstGeom prst="ellipse">
+              <a:avLst/>
+            </a:prstGeom>
+            <a:noFill/>
+            <a:ln>
+              <a:solidFill>
+                <a:schemeClr val="accent1"/>
+              </a:solidFill>
+            </a:ln>
+          </p:spPr>
+          <p:style>
+            <a:lnRef idx="2">
+              <a:schemeClr val="accent1">
+                <a:shade val="50000"/>
+              </a:schemeClr>
+            </a:lnRef>
+            <a:fillRef idx="1">
+              <a:schemeClr val="accent1"/>
+            </a:fillRef>
+            <a:effectRef idx="0">
+              <a:schemeClr val="accent1"/>
+            </a:effectRef>
+            <a:fontRef idx="minor">
+              <a:schemeClr val="lt1"/>
+            </a:fontRef>
+          </p:style>
+          <p:txBody>
+            <a:bodyPr rtlCol="0" anchor="ctr"/>
+            <a:lstStyle/>
+            <a:p>
+              <a:pPr algn="ctr"/>
+              <a:endParaRPr lang="en-US"/>
+            </a:p>
+          </p:txBody>
+        </p:sp>
+        <p:sp>
+          <p:nvSpPr>
+            <p:cNvPr id="19" name="Oval 18">
+              <a:extLst>
+                <a:ext uri="{FF2B5EF4-FFF2-40B4-BE49-F238E27FC236}">
+                  <a16:creationId xmlns:a16="http://schemas.microsoft.com/office/drawing/2014/main" id="{1FA7FDE2-86F6-4242-921B-7039DA4657F2}"/>
+                </a:ext>
+              </a:extLst>
+            </p:cNvPr>
+            <p:cNvSpPr/>
+            <p:nvPr/>
+          </p:nvSpPr>
+          <p:spPr>
+            <a:xfrm>
+              <a:off x="6512248" y="4775104"/>
+              <a:ext cx="814178" cy="194514"/>
+            </a:xfrm>
+            <a:prstGeom prst="ellipse">
+              <a:avLst/>
+            </a:prstGeom>
+            <a:noFill/>
+            <a:ln>
+              <a:solidFill>
+                <a:schemeClr val="accent1"/>
+              </a:solidFill>
+            </a:ln>
+          </p:spPr>
+          <p:style>
+            <a:lnRef idx="2">
+              <a:schemeClr val="accent1">
+                <a:shade val="50000"/>
+              </a:schemeClr>
+            </a:lnRef>
+            <a:fillRef idx="1">
+              <a:schemeClr val="accent1"/>
+            </a:fillRef>
+            <a:effectRef idx="0">
+              <a:schemeClr val="accent1"/>
+            </a:effectRef>
+            <a:fontRef idx="minor">
+              <a:schemeClr val="lt1"/>
+            </a:fontRef>
+          </p:style>
+          <p:txBody>
+            <a:bodyPr rtlCol="0" anchor="ctr"/>
+            <a:lstStyle/>
+            <a:p>
+              <a:pPr algn="ctr"/>
+              <a:endParaRPr lang="en-US"/>
+            </a:p>
+          </p:txBody>
+        </p:sp>
+        <p:sp>
+          <p:nvSpPr>
+            <p:cNvPr id="20" name="Oval 19">
+              <a:extLst>
+                <a:ext uri="{FF2B5EF4-FFF2-40B4-BE49-F238E27FC236}">
+                  <a16:creationId xmlns:a16="http://schemas.microsoft.com/office/drawing/2014/main" id="{FE6E6C14-8204-42B5-8E5F-2488C40FADF5}"/>
+                </a:ext>
+              </a:extLst>
+            </p:cNvPr>
+            <p:cNvSpPr/>
+            <p:nvPr/>
+          </p:nvSpPr>
+          <p:spPr>
+            <a:xfrm>
+              <a:off x="6422336" y="2994384"/>
+              <a:ext cx="814178" cy="194514"/>
+            </a:xfrm>
+            <a:prstGeom prst="ellipse">
+              <a:avLst/>
+            </a:prstGeom>
+            <a:noFill/>
+            <a:ln>
+              <a:solidFill>
+                <a:schemeClr val="accent1"/>
+              </a:solidFill>
+            </a:ln>
+          </p:spPr>
+          <p:style>
+            <a:lnRef idx="2">
+              <a:schemeClr val="accent1">
+                <a:shade val="50000"/>
+              </a:schemeClr>
+            </a:lnRef>
+            <a:fillRef idx="1">
+              <a:schemeClr val="accent1"/>
+            </a:fillRef>
+            <a:effectRef idx="0">
+              <a:schemeClr val="accent1"/>
+            </a:effectRef>
+            <a:fontRef idx="minor">
+              <a:schemeClr val="lt1"/>
+            </a:fontRef>
+          </p:style>
+          <p:txBody>
+            <a:bodyPr rtlCol="0" anchor="ctr"/>
+            <a:lstStyle/>
+            <a:p>
+              <a:pPr algn="ctr"/>
+              <a:endParaRPr lang="en-US"/>
+            </a:p>
+          </p:txBody>
+        </p:sp>
+      </p:grpSp>
       <p:sp>
         <p:nvSpPr>
           <p:cNvPr id="26" name="Oval 25">

--- a/appreview.pptx
+++ b/appreview.pptx
@@ -5464,7 +5464,7 @@
           <a:p>
             <a:fld id="{1A9BCE0C-CD74-4A59-802C-6D2F8C15331A}" type="datetimeFigureOut">
               <a:rPr lang="en-US" smtClean="0"/>
-              <a:t>8/14/2020</a:t>
+              <a:t>8/18/2020</a:t>
             </a:fld>
             <a:endParaRPr lang="en-US"/>
           </a:p>
@@ -5629,7 +5629,7 @@
           <a:p>
             <a:fld id="{F04FDEA8-CBB8-46CC-9562-028963DBC55A}" type="datetimeFigureOut">
               <a:rPr lang="en-US" smtClean="0"/>
-              <a:t>8/14/2020</a:t>
+              <a:t>8/18/2020</a:t>
             </a:fld>
             <a:endParaRPr lang="en-US"/>
           </a:p>
@@ -7536,7 +7536,7 @@
           <a:p>
             <a:fld id="{37CC0096-1860-4642-9CD2-0079EA5E7CD1}" type="datetimeFigureOut">
               <a:rPr lang="en-US" smtClean="0"/>
-              <a:t>8/14/2020</a:t>
+              <a:t>8/18/2020</a:t>
             </a:fld>
             <a:endParaRPr lang="en-US"/>
           </a:p>
@@ -7737,7 +7737,7 @@
           <a:p>
             <a:fld id="{37CC0096-1860-4642-9CD2-0079EA5E7CD1}" type="datetimeFigureOut">
               <a:rPr lang="en-US" smtClean="0"/>
-              <a:t>8/14/2020</a:t>
+              <a:t>8/18/2020</a:t>
             </a:fld>
             <a:endParaRPr lang="en-US"/>
           </a:p>
@@ -8332,7 +8332,7 @@
           <a:p>
             <a:fld id="{37CC0096-1860-4642-9CD2-0079EA5E7CD1}" type="datetimeFigureOut">
               <a:rPr lang="en-US" smtClean="0"/>
-              <a:t>8/14/2020</a:t>
+              <a:t>8/18/2020</a:t>
             </a:fld>
             <a:endParaRPr lang="en-US"/>
           </a:p>
@@ -8846,7 +8846,7 @@
           <a:p>
             <a:fld id="{37CC0096-1860-4642-9CD2-0079EA5E7CD1}" type="datetimeFigureOut">
               <a:rPr lang="en-US" smtClean="0"/>
-              <a:t>8/14/2020</a:t>
+              <a:t>8/18/2020</a:t>
             </a:fld>
             <a:endParaRPr lang="en-US"/>
           </a:p>
@@ -9296,7 +9296,7 @@
           <a:p>
             <a:fld id="{37CC0096-1860-4642-9CD2-0079EA5E7CD1}" type="datetimeFigureOut">
               <a:rPr lang="en-US" smtClean="0"/>
-              <a:t>8/14/2020</a:t>
+              <a:t>8/18/2020</a:t>
             </a:fld>
             <a:endParaRPr lang="en-US"/>
           </a:p>
@@ -9428,7 +9428,7 @@
           <a:p>
             <a:fld id="{37CC0096-1860-4642-9CD2-0079EA5E7CD1}" type="datetimeFigureOut">
               <a:rPr lang="en-US" smtClean="0"/>
-              <a:t>8/14/2020</a:t>
+              <a:t>8/18/2020</a:t>
             </a:fld>
             <a:endParaRPr lang="en-US"/>
           </a:p>
@@ -9769,7 +9769,7 @@
           <a:p>
             <a:fld id="{37CC0096-1860-4642-9CD2-0079EA5E7CD1}" type="datetimeFigureOut">
               <a:rPr lang="en-US" smtClean="0"/>
-              <a:t>8/14/2020</a:t>
+              <a:t>8/18/2020</a:t>
             </a:fld>
             <a:endParaRPr lang="en-US"/>
           </a:p>
@@ -10061,7 +10061,7 @@
             <a:fld id="{37CC0096-1860-4642-9CD2-0079EA5E7CD1}" type="datetimeFigureOut">
               <a:rPr lang="en-US" smtClean="0"/>
               <a:pPr/>
-              <a:t>8/14/2020</a:t>
+              <a:t>8/18/2020</a:t>
             </a:fld>
             <a:endParaRPr lang="en-US"/>
           </a:p>
@@ -15541,8 +15541,15 @@
           <a:p>
             <a:r>
               <a:rPr lang="en-US" dirty="0"/>
-              <a:t>Visit: for code  visit: for dashboard</a:t>
-            </a:r>
+              <a:t>Visit: </a:t>
+            </a:r>
+            <a:r>
+              <a:rPr lang="en-US" dirty="0">
+                <a:hlinkClick r:id="rId2"/>
+              </a:rPr>
+              <a:t>https://github.com/andiosika/Flatiron_Capstone</a:t>
+            </a:r>
+            <a:endParaRPr lang="en-US" dirty="0"/>
           </a:p>
         </p:txBody>
       </p:sp>

--- a/appreview.pptx
+++ b/appreview.pptx
@@ -576,42 +576,6 @@
         <a:effectLst/>
       </c:spPr>
     </c:plotArea>
-    <c:legend>
-      <c:legendPos val="r"/>
-      <c:overlay val="0"/>
-      <c:spPr>
-        <a:solidFill>
-          <a:schemeClr val="lt1">
-            <a:lumMod val="95000"/>
-            <a:alpha val="39000"/>
-          </a:schemeClr>
-        </a:solidFill>
-        <a:ln>
-          <a:noFill/>
-        </a:ln>
-        <a:effectLst/>
-      </c:spPr>
-      <c:txPr>
-        <a:bodyPr rot="0" spcFirstLastPara="1" vertOverflow="ellipsis" vert="horz" wrap="square" anchor="ctr" anchorCtr="1"/>
-        <a:lstStyle/>
-        <a:p>
-          <a:pPr>
-            <a:defRPr sz="900" b="0" i="0" u="none" strike="noStrike" kern="1200" baseline="0">
-              <a:solidFill>
-                <a:schemeClr val="dk1">
-                  <a:lumMod val="75000"/>
-                  <a:lumOff val="25000"/>
-                </a:schemeClr>
-              </a:solidFill>
-              <a:latin typeface="+mn-lt"/>
-              <a:ea typeface="+mn-ea"/>
-              <a:cs typeface="+mn-cs"/>
-            </a:defRPr>
-          </a:pPr>
-          <a:endParaRPr lang="en-US"/>
-        </a:p>
-      </c:txPr>
-    </c:legend>
     <c:plotVisOnly val="1"/>
     <c:dispBlanksAs val="gap"/>
     <c:extLst>
@@ -5464,7 +5428,7 @@
           <a:p>
             <a:fld id="{1A9BCE0C-CD74-4A59-802C-6D2F8C15331A}" type="datetimeFigureOut">
               <a:rPr lang="en-US" smtClean="0"/>
-              <a:t>8/18/2020</a:t>
+              <a:t>9/2/2020</a:t>
             </a:fld>
             <a:endParaRPr lang="en-US"/>
           </a:p>
@@ -5629,7 +5593,7 @@
           <a:p>
             <a:fld id="{F04FDEA8-CBB8-46CC-9562-028963DBC55A}" type="datetimeFigureOut">
               <a:rPr lang="en-US" smtClean="0"/>
-              <a:t>8/18/2020</a:t>
+              <a:t>9/2/2020</a:t>
             </a:fld>
             <a:endParaRPr lang="en-US"/>
           </a:p>
@@ -7536,7 +7500,7 @@
           <a:p>
             <a:fld id="{37CC0096-1860-4642-9CD2-0079EA5E7CD1}" type="datetimeFigureOut">
               <a:rPr lang="en-US" smtClean="0"/>
-              <a:t>8/18/2020</a:t>
+              <a:t>9/2/2020</a:t>
             </a:fld>
             <a:endParaRPr lang="en-US"/>
           </a:p>
@@ -7737,7 +7701,7 @@
           <a:p>
             <a:fld id="{37CC0096-1860-4642-9CD2-0079EA5E7CD1}" type="datetimeFigureOut">
               <a:rPr lang="en-US" smtClean="0"/>
-              <a:t>8/18/2020</a:t>
+              <a:t>9/2/2020</a:t>
             </a:fld>
             <a:endParaRPr lang="en-US"/>
           </a:p>
@@ -8332,7 +8296,7 @@
           <a:p>
             <a:fld id="{37CC0096-1860-4642-9CD2-0079EA5E7CD1}" type="datetimeFigureOut">
               <a:rPr lang="en-US" smtClean="0"/>
-              <a:t>8/18/2020</a:t>
+              <a:t>9/2/2020</a:t>
             </a:fld>
             <a:endParaRPr lang="en-US"/>
           </a:p>
@@ -8846,7 +8810,7 @@
           <a:p>
             <a:fld id="{37CC0096-1860-4642-9CD2-0079EA5E7CD1}" type="datetimeFigureOut">
               <a:rPr lang="en-US" smtClean="0"/>
-              <a:t>8/18/2020</a:t>
+              <a:t>9/2/2020</a:t>
             </a:fld>
             <a:endParaRPr lang="en-US"/>
           </a:p>
@@ -9296,7 +9260,7 @@
           <a:p>
             <a:fld id="{37CC0096-1860-4642-9CD2-0079EA5E7CD1}" type="datetimeFigureOut">
               <a:rPr lang="en-US" smtClean="0"/>
-              <a:t>8/18/2020</a:t>
+              <a:t>9/2/2020</a:t>
             </a:fld>
             <a:endParaRPr lang="en-US"/>
           </a:p>
@@ -9428,7 +9392,7 @@
           <a:p>
             <a:fld id="{37CC0096-1860-4642-9CD2-0079EA5E7CD1}" type="datetimeFigureOut">
               <a:rPr lang="en-US" smtClean="0"/>
-              <a:t>8/18/2020</a:t>
+              <a:t>9/2/2020</a:t>
             </a:fld>
             <a:endParaRPr lang="en-US"/>
           </a:p>
@@ -9769,7 +9733,7 @@
           <a:p>
             <a:fld id="{37CC0096-1860-4642-9CD2-0079EA5E7CD1}" type="datetimeFigureOut">
               <a:rPr lang="en-US" smtClean="0"/>
-              <a:t>8/18/2020</a:t>
+              <a:t>9/2/2020</a:t>
             </a:fld>
             <a:endParaRPr lang="en-US"/>
           </a:p>
@@ -10061,7 +10025,7 @@
             <a:fld id="{37CC0096-1860-4642-9CD2-0079EA5E7CD1}" type="datetimeFigureOut">
               <a:rPr lang="en-US" smtClean="0"/>
               <a:pPr/>
-              <a:t>8/18/2020</a:t>
+              <a:t>9/2/2020</a:t>
             </a:fld>
             <a:endParaRPr lang="en-US"/>
           </a:p>
@@ -14598,7 +14562,7 @@
           </a:bodyPr>
           <a:lstStyle/>
           <a:p>
-            <a:pPr marL="342900" indent="-342900">
+            <a:pPr marL="342900" indent="-342900" algn="l">
               <a:buFont typeface="Arial" panose="020B0604020202020204" pitchFamily="34" charset="0"/>
               <a:buChar char="•"/>
             </a:pPr>
@@ -14608,17 +14572,17 @@
             </a:r>
           </a:p>
           <a:p>
-            <a:pPr marL="342900" indent="-342900">
+            <a:pPr marL="342900" indent="-342900" algn="l">
               <a:buFont typeface="Arial" panose="020B0604020202020204" pitchFamily="34" charset="0"/>
               <a:buChar char="•"/>
             </a:pPr>
             <a:r>
               <a:rPr lang="en-US" dirty="0"/>
-              <a:t>Improve access to relevant information</a:t>
-            </a:r>
-          </a:p>
-          <a:p>
-            <a:pPr marL="342900" indent="-342900">
+              <a:t>Improve UX with access to relevant DATA</a:t>
+            </a:r>
+          </a:p>
+          <a:p>
+            <a:pPr marL="342900" indent="-342900" algn="l">
               <a:buFont typeface="Arial" panose="020B0604020202020204" pitchFamily="34" charset="0"/>
               <a:buChar char="•"/>
             </a:pPr>
@@ -14628,7 +14592,7 @@
             </a:r>
           </a:p>
           <a:p>
-            <a:pPr marL="342900" indent="-342900">
+            <a:pPr marL="342900" indent="-342900" algn="l">
               <a:buFont typeface="Arial" panose="020B0604020202020204" pitchFamily="34" charset="0"/>
               <a:buChar char="•"/>
             </a:pPr>
@@ -14638,7 +14602,7 @@
             </a:r>
           </a:p>
           <a:p>
-            <a:pPr marL="342900" indent="-342900">
+            <a:pPr marL="342900" indent="-342900" algn="l">
               <a:buFont typeface="Arial" panose="020B0604020202020204" pitchFamily="34" charset="0"/>
               <a:buChar char="•"/>
             </a:pPr>
@@ -14753,6 +14717,9 @@
           <a:prstGeom prst="ellipse">
             <a:avLst/>
           </a:prstGeom>
+          <a:solidFill>
+            <a:srgbClr val="92D050"/>
+          </a:solidFill>
         </p:spPr>
         <p:style>
           <a:lnRef idx="2">
@@ -14776,28 +14743,56 @@
           <a:p>
             <a:pPr algn="ctr"/>
             <a:r>
-              <a:rPr lang="en-US" sz="3200" dirty="0"/>
+              <a:rPr lang="en-US" sz="3200" dirty="0">
+                <a:solidFill>
+                  <a:schemeClr val="tx1">
+                    <a:lumMod val="60000"/>
+                    <a:lumOff val="40000"/>
+                  </a:schemeClr>
+                </a:solidFill>
+              </a:rPr>
               <a:t>UX</a:t>
             </a:r>
           </a:p>
           <a:p>
             <a:pPr algn="ctr"/>
             <a:r>
-              <a:rPr lang="en-US" sz="3200" dirty="0"/>
+              <a:rPr lang="en-US" sz="3200" dirty="0">
+                <a:solidFill>
+                  <a:schemeClr val="tx1">
+                    <a:lumMod val="60000"/>
+                    <a:lumOff val="40000"/>
+                  </a:schemeClr>
+                </a:solidFill>
+              </a:rPr>
               <a:t>R &amp; D</a:t>
             </a:r>
           </a:p>
           <a:p>
             <a:pPr algn="ctr"/>
             <a:r>
-              <a:rPr lang="en-US" sz="3200" dirty="0"/>
+              <a:rPr lang="en-US" sz="3200" dirty="0">
+                <a:solidFill>
+                  <a:schemeClr val="tx1">
+                    <a:lumMod val="60000"/>
+                    <a:lumOff val="40000"/>
+                  </a:schemeClr>
+                </a:solidFill>
+              </a:rPr>
               <a:t>Engineering</a:t>
             </a:r>
           </a:p>
           <a:p>
             <a:pPr algn="ctr"/>
             <a:r>
-              <a:rPr lang="en-US" sz="3200" dirty="0"/>
+              <a:rPr lang="en-US" sz="3200" dirty="0">
+                <a:solidFill>
+                  <a:schemeClr val="tx1">
+                    <a:lumMod val="60000"/>
+                    <a:lumOff val="40000"/>
+                  </a:schemeClr>
+                </a:solidFill>
+              </a:rPr>
               <a:t>Marketing</a:t>
             </a:r>
           </a:p>
@@ -14827,6 +14822,12 @@
           <a:prstGeom prst="homePlate">
             <a:avLst/>
           </a:prstGeom>
+          <a:solidFill>
+            <a:schemeClr val="accent1">
+              <a:lumMod val="60000"/>
+              <a:lumOff val="40000"/>
+            </a:schemeClr>
+          </a:solidFill>
         </p:spPr>
         <p:style>
           <a:lnRef idx="2">
@@ -14873,6 +14874,11 @@
           <a:prstGeom prst="rightArrow">
             <a:avLst/>
           </a:prstGeom>
+          <a:solidFill>
+            <a:schemeClr val="accent1">
+              <a:lumMod val="75000"/>
+            </a:schemeClr>
+          </a:solidFill>
         </p:spPr>
         <p:style>
           <a:lnRef idx="2">
@@ -14896,7 +14902,14 @@
           <a:p>
             <a:pPr algn="ctr"/>
             <a:r>
-              <a:rPr lang="en-US" dirty="0"/>
+              <a:rPr lang="en-US" sz="2800" dirty="0">
+                <a:solidFill>
+                  <a:schemeClr val="tx1">
+                    <a:lumMod val="60000"/>
+                    <a:lumOff val="40000"/>
+                  </a:schemeClr>
+                </a:solidFill>
+              </a:rPr>
               <a:t>NexGen Dev</a:t>
             </a:r>
           </a:p>
@@ -14934,8 +14947,9 @@
             <a:r>
               <a:rPr lang="en-US" dirty="0">
                 <a:solidFill>
-                  <a:schemeClr val="bg2">
-                    <a:lumMod val="10000"/>
+                  <a:schemeClr val="tx1">
+                    <a:lumMod val="60000"/>
+                    <a:lumOff val="40000"/>
                   </a:schemeClr>
                 </a:solidFill>
               </a:rPr>
@@ -15034,6 +15048,9 @@
           <a:prstGeom prst="rect">
             <a:avLst/>
           </a:prstGeom>
+          <a:solidFill>
+            <a:schemeClr val="bg2"/>
+          </a:solidFill>
         </p:spPr>
         <p:style>
           <a:lnRef idx="2">
@@ -15150,7 +15167,10 @@
           <a:lstStyle/>
           <a:p>
             <a:pPr algn="ctr"/>
-            <a:endParaRPr lang="en-US"/>
+            <a:r>
+              <a:rPr lang="en-US" dirty="0"/>
+              <a:t>Internal Cross-Functional Systems</a:t>
+            </a:r>
           </a:p>
         </p:txBody>
       </p:sp>
@@ -17683,7 +17703,7 @@
           <p:nvPr>
             <p:extLst>
               <p:ext uri="{D42A27DB-BD31-4B8C-83A1-F6EECF244321}">
-                <p14:modId xmlns:p14="http://schemas.microsoft.com/office/powerpoint/2010/main" val="2362297108"/>
+                <p14:modId xmlns:p14="http://schemas.microsoft.com/office/powerpoint/2010/main" val="3278005013"/>
               </p:ext>
             </p:extLst>
           </p:nvPr>
@@ -17871,6 +17891,22 @@
                           <a:cs typeface="Biome" panose="020B0502040204020203" pitchFamily="34" charset="0"/>
                         </a:rPr>
                         <a:t> </a:t>
+                      </a:r>
+                    </a:p>
+                    <a:p>
+                      <a:pPr algn="ctr" fontAlgn="ctr"/>
+                      <a:r>
+                        <a:rPr lang="en-US" sz="1200" b="1" i="0" u="none" strike="noStrike" baseline="0" dirty="0">
+                          <a:solidFill>
+                            <a:schemeClr val="accent3">
+                              <a:lumMod val="75000"/>
+                            </a:schemeClr>
+                          </a:solidFill>
+                          <a:effectLst/>
+                          <a:latin typeface="Biome" panose="020B0502040204020203" pitchFamily="34" charset="0"/>
+                          <a:cs typeface="Biome" panose="020B0502040204020203" pitchFamily="34" charset="0"/>
+                        </a:rPr>
+                        <a:t>Recall</a:t>
                       </a:r>
                     </a:p>
                     <a:p>

--- a/appreview.pptx
+++ b/appreview.pptx
@@ -5428,7 +5428,7 @@
           <a:p>
             <a:fld id="{1A9BCE0C-CD74-4A59-802C-6D2F8C15331A}" type="datetimeFigureOut">
               <a:rPr lang="en-US" smtClean="0"/>
-              <a:t>9/2/2020</a:t>
+              <a:t>9/4/2020</a:t>
             </a:fld>
             <a:endParaRPr lang="en-US"/>
           </a:p>
@@ -5593,7 +5593,7 @@
           <a:p>
             <a:fld id="{F04FDEA8-CBB8-46CC-9562-028963DBC55A}" type="datetimeFigureOut">
               <a:rPr lang="en-US" smtClean="0"/>
-              <a:t>9/2/2020</a:t>
+              <a:t>9/4/2020</a:t>
             </a:fld>
             <a:endParaRPr lang="en-US"/>
           </a:p>
@@ -7500,7 +7500,7 @@
           <a:p>
             <a:fld id="{37CC0096-1860-4642-9CD2-0079EA5E7CD1}" type="datetimeFigureOut">
               <a:rPr lang="en-US" smtClean="0"/>
-              <a:t>9/2/2020</a:t>
+              <a:t>9/4/2020</a:t>
             </a:fld>
             <a:endParaRPr lang="en-US"/>
           </a:p>
@@ -7701,7 +7701,7 @@
           <a:p>
             <a:fld id="{37CC0096-1860-4642-9CD2-0079EA5E7CD1}" type="datetimeFigureOut">
               <a:rPr lang="en-US" smtClean="0"/>
-              <a:t>9/2/2020</a:t>
+              <a:t>9/4/2020</a:t>
             </a:fld>
             <a:endParaRPr lang="en-US"/>
           </a:p>
@@ -8296,7 +8296,7 @@
           <a:p>
             <a:fld id="{37CC0096-1860-4642-9CD2-0079EA5E7CD1}" type="datetimeFigureOut">
               <a:rPr lang="en-US" smtClean="0"/>
-              <a:t>9/2/2020</a:t>
+              <a:t>9/4/2020</a:t>
             </a:fld>
             <a:endParaRPr lang="en-US"/>
           </a:p>
@@ -8810,7 +8810,7 @@
           <a:p>
             <a:fld id="{37CC0096-1860-4642-9CD2-0079EA5E7CD1}" type="datetimeFigureOut">
               <a:rPr lang="en-US" smtClean="0"/>
-              <a:t>9/2/2020</a:t>
+              <a:t>9/4/2020</a:t>
             </a:fld>
             <a:endParaRPr lang="en-US"/>
           </a:p>
@@ -9260,7 +9260,7 @@
           <a:p>
             <a:fld id="{37CC0096-1860-4642-9CD2-0079EA5E7CD1}" type="datetimeFigureOut">
               <a:rPr lang="en-US" smtClean="0"/>
-              <a:t>9/2/2020</a:t>
+              <a:t>9/4/2020</a:t>
             </a:fld>
             <a:endParaRPr lang="en-US"/>
           </a:p>
@@ -9392,7 +9392,7 @@
           <a:p>
             <a:fld id="{37CC0096-1860-4642-9CD2-0079EA5E7CD1}" type="datetimeFigureOut">
               <a:rPr lang="en-US" smtClean="0"/>
-              <a:t>9/2/2020</a:t>
+              <a:t>9/4/2020</a:t>
             </a:fld>
             <a:endParaRPr lang="en-US"/>
           </a:p>
@@ -9733,7 +9733,7 @@
           <a:p>
             <a:fld id="{37CC0096-1860-4642-9CD2-0079EA5E7CD1}" type="datetimeFigureOut">
               <a:rPr lang="en-US" smtClean="0"/>
-              <a:t>9/2/2020</a:t>
+              <a:t>9/4/2020</a:t>
             </a:fld>
             <a:endParaRPr lang="en-US"/>
           </a:p>
@@ -10025,7 +10025,7 @@
             <a:fld id="{37CC0096-1860-4642-9CD2-0079EA5E7CD1}" type="datetimeFigureOut">
               <a:rPr lang="en-US" smtClean="0"/>
               <a:pPr/>
-              <a:t>9/2/2020</a:t>
+              <a:t>9/4/2020</a:t>
             </a:fld>
             <a:endParaRPr lang="en-US"/>
           </a:p>

--- a/appreview.pptx
+++ b/appreview.pptx
@@ -5428,7 +5428,7 @@
           <a:p>
             <a:fld id="{1A9BCE0C-CD74-4A59-802C-6D2F8C15331A}" type="datetimeFigureOut">
               <a:rPr lang="en-US" smtClean="0"/>
-              <a:t>9/4/2020</a:t>
+              <a:t>4/15/2021</a:t>
             </a:fld>
             <a:endParaRPr lang="en-US"/>
           </a:p>
@@ -5593,7 +5593,7 @@
           <a:p>
             <a:fld id="{F04FDEA8-CBB8-46CC-9562-028963DBC55A}" type="datetimeFigureOut">
               <a:rPr lang="en-US" smtClean="0"/>
-              <a:t>9/4/2020</a:t>
+              <a:t>4/15/2021</a:t>
             </a:fld>
             <a:endParaRPr lang="en-US"/>
           </a:p>
@@ -7500,7 +7500,7 @@
           <a:p>
             <a:fld id="{37CC0096-1860-4642-9CD2-0079EA5E7CD1}" type="datetimeFigureOut">
               <a:rPr lang="en-US" smtClean="0"/>
-              <a:t>9/4/2020</a:t>
+              <a:t>4/15/2021</a:t>
             </a:fld>
             <a:endParaRPr lang="en-US"/>
           </a:p>
@@ -7701,7 +7701,7 @@
           <a:p>
             <a:fld id="{37CC0096-1860-4642-9CD2-0079EA5E7CD1}" type="datetimeFigureOut">
               <a:rPr lang="en-US" smtClean="0"/>
-              <a:t>9/4/2020</a:t>
+              <a:t>4/15/2021</a:t>
             </a:fld>
             <a:endParaRPr lang="en-US"/>
           </a:p>
@@ -8296,7 +8296,7 @@
           <a:p>
             <a:fld id="{37CC0096-1860-4642-9CD2-0079EA5E7CD1}" type="datetimeFigureOut">
               <a:rPr lang="en-US" smtClean="0"/>
-              <a:t>9/4/2020</a:t>
+              <a:t>4/15/2021</a:t>
             </a:fld>
             <a:endParaRPr lang="en-US"/>
           </a:p>
@@ -8810,7 +8810,7 @@
           <a:p>
             <a:fld id="{37CC0096-1860-4642-9CD2-0079EA5E7CD1}" type="datetimeFigureOut">
               <a:rPr lang="en-US" smtClean="0"/>
-              <a:t>9/4/2020</a:t>
+              <a:t>4/15/2021</a:t>
             </a:fld>
             <a:endParaRPr lang="en-US"/>
           </a:p>
@@ -9260,7 +9260,7 @@
           <a:p>
             <a:fld id="{37CC0096-1860-4642-9CD2-0079EA5E7CD1}" type="datetimeFigureOut">
               <a:rPr lang="en-US" smtClean="0"/>
-              <a:t>9/4/2020</a:t>
+              <a:t>4/15/2021</a:t>
             </a:fld>
             <a:endParaRPr lang="en-US"/>
           </a:p>
@@ -9392,7 +9392,7 @@
           <a:p>
             <a:fld id="{37CC0096-1860-4642-9CD2-0079EA5E7CD1}" type="datetimeFigureOut">
               <a:rPr lang="en-US" smtClean="0"/>
-              <a:t>9/4/2020</a:t>
+              <a:t>4/15/2021</a:t>
             </a:fld>
             <a:endParaRPr lang="en-US"/>
           </a:p>
@@ -9733,7 +9733,7 @@
           <a:p>
             <a:fld id="{37CC0096-1860-4642-9CD2-0079EA5E7CD1}" type="datetimeFigureOut">
               <a:rPr lang="en-US" smtClean="0"/>
-              <a:t>9/4/2020</a:t>
+              <a:t>4/15/2021</a:t>
             </a:fld>
             <a:endParaRPr lang="en-US"/>
           </a:p>
@@ -10025,7 +10025,7 @@
             <a:fld id="{37CC0096-1860-4642-9CD2-0079EA5E7CD1}" type="datetimeFigureOut">
               <a:rPr lang="en-US" smtClean="0"/>
               <a:pPr/>
-              <a:t>9/4/2020</a:t>
+              <a:t>4/15/2021</a:t>
             </a:fld>
             <a:endParaRPr lang="en-US"/>
           </a:p>
